--- a/presentation/A4.pptx
+++ b/presentation/A4.pptx
@@ -7290,8 +7290,12 @@
               <a:buAutoNum type="arabicPeriod"/>
             </a:pPr>
             <a:r>
+              <a:rPr lang="en-US"/>
+              <a:t>Choropleth </a:t>
+            </a:r>
+            <a:r>
               <a:rPr lang="en-US" dirty="0"/>
-              <a:t>Chloropleth Map Analysis</a:t>
+              <a:t>Map Analysis</a:t>
             </a:r>
           </a:p>
           <a:p>
